--- a/Challenge 0/Topdown approach.pptx
+++ b/Challenge 0/Topdown approach.pptx
@@ -5,7 +5,7 @@
     <p:sldMasterId id="2147483659" r:id="rId1"/>
   </p:sldMasterIdLst>
   <p:notesMasterIdLst>
-    <p:notesMasterId r:id="rId21"/>
+    <p:notesMasterId r:id="rId20"/>
   </p:notesMasterIdLst>
   <p:sldIdLst>
     <p:sldId id="256" r:id="rId2"/>
@@ -20,13 +20,12 @@
     <p:sldId id="283" r:id="rId11"/>
     <p:sldId id="284" r:id="rId12"/>
     <p:sldId id="285" r:id="rId13"/>
-    <p:sldId id="286" r:id="rId14"/>
-    <p:sldId id="287" r:id="rId15"/>
-    <p:sldId id="288" r:id="rId16"/>
-    <p:sldId id="289" r:id="rId17"/>
-    <p:sldId id="290" r:id="rId18"/>
-    <p:sldId id="291" r:id="rId19"/>
-    <p:sldId id="275" r:id="rId20"/>
+    <p:sldId id="292" r:id="rId14"/>
+    <p:sldId id="293" r:id="rId15"/>
+    <p:sldId id="294" r:id="rId16"/>
+    <p:sldId id="290" r:id="rId17"/>
+    <p:sldId id="291" r:id="rId18"/>
+    <p:sldId id="275" r:id="rId19"/>
   </p:sldIdLst>
   <p:sldSz cx="12192000" cy="6858000"/>
   <p:notesSz cx="6858000" cy="9144000"/>
@@ -10624,7 +10623,7 @@
         <p:spPr>
           <a:xfrm>
             <a:off x="978408" y="2578608"/>
-            <a:ext cx="6537959" cy="2123658"/>
+            <a:ext cx="6537959" cy="1446550"/>
           </a:xfrm>
           <a:prstGeom prst="rect">
             <a:avLst/>
@@ -10653,7 +10652,7 @@
               <a:rPr lang="en-US" sz="4400" b="1" dirty="0">
                 <a:latin typeface="Trebuchet MS" panose="020B0603020202020204" pitchFamily="34" charset="0"/>
               </a:rPr>
-              <a:t> approach in programming </a:t>
+              <a:t> approach in real world </a:t>
             </a:r>
           </a:p>
         </p:txBody>
@@ -10750,7 +10749,7 @@
         <p:spPr>
           <a:xfrm>
             <a:off x="938784" y="822960"/>
-            <a:ext cx="1939955" cy="584775"/>
+            <a:ext cx="2159566" cy="646331"/>
           </a:xfrm>
           <a:prstGeom prst="rect">
             <a:avLst/>
@@ -10764,7 +10763,7 @@
           <a:lstStyle/>
           <a:p>
             <a:r>
-              <a:rPr lang="en-US" sz="3200" b="1" dirty="0">
+              <a:rPr lang="en-US" sz="3600" b="1" dirty="0">
                 <a:solidFill>
                   <a:srgbClr val="DE4F45"/>
                 </a:solidFill>
@@ -10789,7 +10788,7 @@
         <p:spPr>
           <a:xfrm>
             <a:off x="1130808" y="2121408"/>
-            <a:ext cx="5132832" cy="1815882"/>
+            <a:ext cx="5132832" cy="1754326"/>
           </a:xfrm>
           <a:prstGeom prst="rect">
             <a:avLst/>
@@ -10803,16 +10802,16 @@
           <a:lstStyle/>
           <a:p>
             <a:r>
-              <a:rPr lang="en-US" b="0" i="0" dirty="0">
+              <a:rPr lang="en-US" sz="1800" b="0" i="0" dirty="0">
                 <a:solidFill>
                   <a:schemeClr val="tx1"/>
                 </a:solidFill>
                 <a:effectLst/>
                 <a:latin typeface="+mj-lt"/>
               </a:rPr>
-              <a:t>The challenge is to design and implement a to-do list application that incorporates CRUD functionalities (Create, Read, Update, Delete) for managing user tasks. The application should enable users to seamlessly add new tasks, view their existing tasks, update task details when necessary, and efficiently delete tasks. This project requires a solution that ensures a user-friendly and effective task management experience.</a:t>
+              <a:t>The professor has assigned you the task of rapidly learning Spring Boot to prepare for the presentation in the new course, "Introduction to Web Application." Your responsibility includes understanding and grasping some essential features in Spring Boot</a:t>
             </a:r>
-            <a:endParaRPr lang="en-US" dirty="0">
+            <a:endParaRPr lang="en-US" sz="1800" dirty="0">
               <a:solidFill>
                 <a:schemeClr val="tx1"/>
               </a:solidFill>
@@ -10900,111 +10899,12 @@
           <a:chExt cx="0" cy="0"/>
         </a:xfrm>
       </p:grpSpPr>
-      <p:sp>
-        <p:nvSpPr>
-          <p:cNvPr id="3" name="Text Placeholder 2">
+      <p:pic>
+        <p:nvPicPr>
+          <p:cNvPr id="5" name="Picture 4">
             <a:extLst>
               <a:ext uri="{FF2B5EF4-FFF2-40B4-BE49-F238E27FC236}">
-                <a16:creationId xmlns:a16="http://schemas.microsoft.com/office/drawing/2014/main" id="{68E007D7-A029-E647-B612-3C6105B6BB05}"/>
-              </a:ext>
-            </a:extLst>
-          </p:cNvPr>
-          <p:cNvSpPr>
-            <a:spLocks noGrp="1"/>
-          </p:cNvSpPr>
-          <p:nvPr>
-            <p:ph type="body" idx="1"/>
-          </p:nvPr>
-        </p:nvSpPr>
-        <p:spPr>
-          <a:xfrm>
-            <a:off x="731520" y="735894"/>
-            <a:ext cx="6382512" cy="1317597"/>
-          </a:xfrm>
-        </p:spPr>
-        <p:txBody>
-          <a:bodyPr/>
-          <a:lstStyle/>
-          <a:p>
-            <a:pPr algn="l"/>
-            <a:r>
-              <a:rPr lang="en-US" sz="3200" b="1" i="0" dirty="0">
-                <a:solidFill>
-                  <a:srgbClr val="DE4F45"/>
-                </a:solidFill>
-                <a:effectLst/>
-                <a:latin typeface="Söhne"/>
-              </a:rPr>
-              <a:t>1. Define Overall Functionality</a:t>
-            </a:r>
-          </a:p>
-          <a:p>
-            <a:br>
-              <a:rPr lang="en-US" sz="3200" dirty="0">
-                <a:solidFill>
-                  <a:srgbClr val="DE4F45"/>
-                </a:solidFill>
-              </a:rPr>
-            </a:br>
-            <a:endParaRPr lang="en-US" sz="3200" dirty="0">
-              <a:solidFill>
-                <a:srgbClr val="DE4F45"/>
-              </a:solidFill>
-            </a:endParaRPr>
-          </a:p>
-        </p:txBody>
-      </p:sp>
-      <p:sp>
-        <p:nvSpPr>
-          <p:cNvPr id="10" name="TextBox 9">
-            <a:extLst>
-              <a:ext uri="{FF2B5EF4-FFF2-40B4-BE49-F238E27FC236}">
-                <a16:creationId xmlns:a16="http://schemas.microsoft.com/office/drawing/2014/main" id="{EEAE77A9-A4AC-2B7D-9004-698DB46CF387}"/>
-              </a:ext>
-            </a:extLst>
-          </p:cNvPr>
-          <p:cNvSpPr txBox="1"/>
-          <p:nvPr/>
-        </p:nvSpPr>
-        <p:spPr>
-          <a:xfrm>
-            <a:off x="1051560" y="4574000"/>
-            <a:ext cx="6181344" cy="738664"/>
-          </a:xfrm>
-          <a:prstGeom prst="rect">
-            <a:avLst/>
-          </a:prstGeom>
-          <a:noFill/>
-        </p:spPr>
-        <p:txBody>
-          <a:bodyPr wrap="square" rtlCol="0">
-            <a:spAutoFit/>
-          </a:bodyPr>
-          <a:lstStyle/>
-          <a:p>
-            <a:r>
-              <a:rPr lang="en-US" b="1" dirty="0"/>
-              <a:t>Goal: </a:t>
-            </a:r>
-            <a:r>
-              <a:rPr lang="en-US" dirty="0"/>
-              <a:t>Create a console-based application to manage a to-do list.</a:t>
-            </a:r>
-          </a:p>
-          <a:p>
-            <a:endParaRPr lang="en-US" dirty="0"/>
-          </a:p>
-          <a:p>
-            <a:endParaRPr lang="en-US" dirty="0"/>
-          </a:p>
-        </p:txBody>
-      </p:sp>
-      <p:pic>
-        <p:nvPicPr>
-          <p:cNvPr id="13" name="Picture 12">
-            <a:extLst>
-              <a:ext uri="{FF2B5EF4-FFF2-40B4-BE49-F238E27FC236}">
-                <a16:creationId xmlns:a16="http://schemas.microsoft.com/office/drawing/2014/main" id="{3160FE20-101F-6A65-56DC-3E3C2E1DACB1}"/>
+                <a16:creationId xmlns:a16="http://schemas.microsoft.com/office/drawing/2014/main" id="{FF988F43-65E0-FEA4-34C1-F2BA317F97B3}"/>
               </a:ext>
             </a:extLst>
           </p:cNvPr>
@@ -11021,18 +10921,57 @@
         </p:blipFill>
         <p:spPr>
           <a:xfrm>
-            <a:off x="7114032" y="1326421"/>
-            <a:ext cx="3724795" cy="3162741"/>
+            <a:off x="1615216" y="1854622"/>
+            <a:ext cx="8668960" cy="3953427"/>
           </a:xfrm>
           <a:prstGeom prst="rect">
             <a:avLst/>
           </a:prstGeom>
         </p:spPr>
       </p:pic>
+      <p:sp>
+        <p:nvSpPr>
+          <p:cNvPr id="6" name="TextBox 5">
+            <a:extLst>
+              <a:ext uri="{FF2B5EF4-FFF2-40B4-BE49-F238E27FC236}">
+                <a16:creationId xmlns:a16="http://schemas.microsoft.com/office/drawing/2014/main" id="{D2F78D26-1872-678C-E678-E2E6C64779DB}"/>
+              </a:ext>
+            </a:extLst>
+          </p:cNvPr>
+          <p:cNvSpPr txBox="1"/>
+          <p:nvPr/>
+        </p:nvSpPr>
+        <p:spPr>
+          <a:xfrm>
+            <a:off x="822960" y="906539"/>
+            <a:ext cx="6853158" cy="646331"/>
+          </a:xfrm>
+          <a:prstGeom prst="rect">
+            <a:avLst/>
+          </a:prstGeom>
+          <a:noFill/>
+        </p:spPr>
+        <p:txBody>
+          <a:bodyPr wrap="none" rtlCol="0">
+            <a:spAutoFit/>
+          </a:bodyPr>
+          <a:lstStyle/>
+          <a:p>
+            <a:r>
+              <a:rPr lang="en-US" sz="3600" b="1" dirty="0">
+                <a:solidFill>
+                  <a:srgbClr val="DE4F45"/>
+                </a:solidFill>
+              </a:rPr>
+              <a:t>Step 1 : Define the big Picture </a:t>
+            </a:r>
+          </a:p>
+        </p:txBody>
+      </p:sp>
     </p:spTree>
     <p:extLst>
       <p:ext uri="{BB962C8B-B14F-4D97-AF65-F5344CB8AC3E}">
-        <p14:creationId xmlns:p14="http://schemas.microsoft.com/office/powerpoint/2010/main" val="863525365"/>
+        <p14:creationId xmlns:p14="http://schemas.microsoft.com/office/powerpoint/2010/main" val="891116559"/>
       </p:ext>
     </p:extLst>
   </p:cSld>
@@ -11061,64 +11000,10 @@
       </p:grpSpPr>
       <p:sp>
         <p:nvSpPr>
-          <p:cNvPr id="3" name="Text Placeholder 2">
+          <p:cNvPr id="6" name="TextBox 5">
             <a:extLst>
               <a:ext uri="{FF2B5EF4-FFF2-40B4-BE49-F238E27FC236}">
-                <a16:creationId xmlns:a16="http://schemas.microsoft.com/office/drawing/2014/main" id="{68E007D7-A029-E647-B612-3C6105B6BB05}"/>
-              </a:ext>
-            </a:extLst>
-          </p:cNvPr>
-          <p:cNvSpPr>
-            <a:spLocks noGrp="1"/>
-          </p:cNvSpPr>
-          <p:nvPr>
-            <p:ph type="body" idx="1"/>
-          </p:nvPr>
-        </p:nvSpPr>
-        <p:spPr>
-          <a:xfrm>
-            <a:off x="731520" y="735894"/>
-            <a:ext cx="6382512" cy="1317597"/>
-          </a:xfrm>
-        </p:spPr>
-        <p:txBody>
-          <a:bodyPr/>
-          <a:lstStyle/>
-          <a:p>
-            <a:pPr algn="l"/>
-            <a:r>
-              <a:rPr lang="en-US" sz="3200" b="1" i="0" dirty="0">
-                <a:solidFill>
-                  <a:srgbClr val="DE4F45"/>
-                </a:solidFill>
-                <a:effectLst/>
-                <a:latin typeface="Söhne"/>
-              </a:rPr>
-              <a:t>2. Design Major Components</a:t>
-            </a:r>
-          </a:p>
-          <a:p>
-            <a:br>
-              <a:rPr lang="en-US" sz="3200" dirty="0">
-                <a:solidFill>
-                  <a:srgbClr val="DE4F45"/>
-                </a:solidFill>
-              </a:rPr>
-            </a:br>
-            <a:endParaRPr lang="en-US" sz="3200" dirty="0">
-              <a:solidFill>
-                <a:srgbClr val="DE4F45"/>
-              </a:solidFill>
-            </a:endParaRPr>
-          </a:p>
-        </p:txBody>
-      </p:sp>
-      <p:sp>
-        <p:nvSpPr>
-          <p:cNvPr id="2" name="TextBox 1">
-            <a:extLst>
-              <a:ext uri="{FF2B5EF4-FFF2-40B4-BE49-F238E27FC236}">
-                <a16:creationId xmlns:a16="http://schemas.microsoft.com/office/drawing/2014/main" id="{B944F476-5FF0-00AE-8DF4-BF2BA447EBC8}"/>
+                <a16:creationId xmlns:a16="http://schemas.microsoft.com/office/drawing/2014/main" id="{D2F78D26-1872-678C-E678-E2E6C64779DB}"/>
               </a:ext>
             </a:extLst>
           </p:cNvPr>
@@ -11127,8 +11012,8 @@
         </p:nvSpPr>
         <p:spPr>
           <a:xfrm>
-            <a:off x="1316736" y="2364594"/>
-            <a:ext cx="2611612" cy="307777"/>
+            <a:off x="822960" y="906539"/>
+            <a:ext cx="6571030" cy="646331"/>
           </a:xfrm>
           <a:prstGeom prst="rect">
             <a:avLst/>
@@ -11141,23 +11026,23 @@
           </a:bodyPr>
           <a:lstStyle/>
           <a:p>
-            <a:pPr marL="285750" indent="-285750">
-              <a:buFont typeface="Arial" panose="020B0604020202020204" pitchFamily="34" charset="0"/>
-              <a:buChar char="•"/>
-            </a:pPr>
             <a:r>
-              <a:rPr lang="en-US" b="1" dirty="0"/>
-              <a:t>Data Structure for Tasks:</a:t>
+              <a:rPr lang="en-US" sz="3600" b="1" dirty="0">
+                <a:solidFill>
+                  <a:srgbClr val="DE4F45"/>
+                </a:solidFill>
+              </a:rPr>
+              <a:t>Step 2 : Break down the Goal</a:t>
             </a:r>
           </a:p>
         </p:txBody>
       </p:sp>
       <p:pic>
         <p:nvPicPr>
-          <p:cNvPr id="5" name="Picture 4">
+          <p:cNvPr id="3" name="Picture 2">
             <a:extLst>
               <a:ext uri="{FF2B5EF4-FFF2-40B4-BE49-F238E27FC236}">
-                <a16:creationId xmlns:a16="http://schemas.microsoft.com/office/drawing/2014/main" id="{1A6F17F4-5732-11F2-7E6B-B28D856C1DA4}"/>
+                <a16:creationId xmlns:a16="http://schemas.microsoft.com/office/drawing/2014/main" id="{1AA13D70-1D6F-E703-9602-025CB2A44638}"/>
               </a:ext>
             </a:extLst>
           </p:cNvPr>
@@ -11174,91 +11059,8 @@
         </p:blipFill>
         <p:spPr>
           <a:xfrm>
-            <a:off x="1316736" y="3019750"/>
-            <a:ext cx="6125430" cy="543001"/>
-          </a:xfrm>
-          <a:prstGeom prst="rect">
-            <a:avLst/>
-          </a:prstGeom>
-        </p:spPr>
-      </p:pic>
-      <p:sp>
-        <p:nvSpPr>
-          <p:cNvPr id="6" name="TextBox 5">
-            <a:extLst>
-              <a:ext uri="{FF2B5EF4-FFF2-40B4-BE49-F238E27FC236}">
-                <a16:creationId xmlns:a16="http://schemas.microsoft.com/office/drawing/2014/main" id="{E67E220A-48BA-4453-9C5A-202AF6878102}"/>
-              </a:ext>
-            </a:extLst>
-          </p:cNvPr>
-          <p:cNvSpPr txBox="1"/>
-          <p:nvPr/>
-        </p:nvSpPr>
-        <p:spPr>
-          <a:xfrm>
-            <a:off x="1227918" y="4214265"/>
-            <a:ext cx="2478024" cy="738664"/>
-          </a:xfrm>
-          <a:prstGeom prst="rect">
-            <a:avLst/>
-          </a:prstGeom>
-          <a:noFill/>
-        </p:spPr>
-        <p:txBody>
-          <a:bodyPr wrap="square" rtlCol="0">
-            <a:spAutoFit/>
-          </a:bodyPr>
-          <a:lstStyle/>
-          <a:p>
-            <a:pPr marL="285750" indent="-285750">
-              <a:buFont typeface="Arial" panose="020B0604020202020204" pitchFamily="34" charset="0"/>
-              <a:buChar char="•"/>
-            </a:pPr>
-            <a:r>
-              <a:rPr lang="en-US" b="1" dirty="0"/>
-              <a:t>Input Handling:</a:t>
-            </a:r>
-          </a:p>
-          <a:p>
-            <a:pPr marL="285750" indent="-285750">
-              <a:buFont typeface="Arial" panose="020B0604020202020204" pitchFamily="34" charset="0"/>
-              <a:buChar char="•"/>
-            </a:pPr>
-            <a:endParaRPr lang="en-US" b="1" dirty="0"/>
-          </a:p>
-          <a:p>
-            <a:pPr marL="285750" indent="-285750">
-              <a:buFont typeface="Arial" panose="020B0604020202020204" pitchFamily="34" charset="0"/>
-              <a:buChar char="•"/>
-            </a:pPr>
-            <a:endParaRPr lang="en-US" b="1" dirty="0"/>
-          </a:p>
-        </p:txBody>
-      </p:sp>
-      <p:pic>
-        <p:nvPicPr>
-          <p:cNvPr id="8" name="Picture 7">
-            <a:extLst>
-              <a:ext uri="{FF2B5EF4-FFF2-40B4-BE49-F238E27FC236}">
-                <a16:creationId xmlns:a16="http://schemas.microsoft.com/office/drawing/2014/main" id="{7E399566-95F7-101B-6BA2-7A32A986EF2D}"/>
-              </a:ext>
-            </a:extLst>
-          </p:cNvPr>
-          <p:cNvPicPr>
-            <a:picLocks noChangeAspect="1"/>
-          </p:cNvPicPr>
-          <p:nvPr/>
-        </p:nvPicPr>
-        <p:blipFill>
-          <a:blip r:embed="rId3"/>
-          <a:stretch>
-            <a:fillRect/>
-          </a:stretch>
-        </p:blipFill>
-        <p:spPr>
-          <a:xfrm>
-            <a:off x="1227918" y="4833145"/>
-            <a:ext cx="6096851" cy="428685"/>
+            <a:off x="822960" y="1946062"/>
+            <a:ext cx="10248346" cy="3540338"/>
           </a:xfrm>
           <a:prstGeom prst="rect">
             <a:avLst/>
@@ -11268,7 +11070,7 @@
     </p:spTree>
     <p:extLst>
       <p:ext uri="{BB962C8B-B14F-4D97-AF65-F5344CB8AC3E}">
-        <p14:creationId xmlns:p14="http://schemas.microsoft.com/office/powerpoint/2010/main" val="133646178"/>
+        <p14:creationId xmlns:p14="http://schemas.microsoft.com/office/powerpoint/2010/main" val="4108650496"/>
       </p:ext>
     </p:extLst>
   </p:cSld>
@@ -11297,99 +11099,10 @@
       </p:grpSpPr>
       <p:sp>
         <p:nvSpPr>
-          <p:cNvPr id="3" name="Text Placeholder 2">
+          <p:cNvPr id="6" name="TextBox 5">
             <a:extLst>
               <a:ext uri="{FF2B5EF4-FFF2-40B4-BE49-F238E27FC236}">
-                <a16:creationId xmlns:a16="http://schemas.microsoft.com/office/drawing/2014/main" id="{68E007D7-A029-E647-B612-3C6105B6BB05}"/>
-              </a:ext>
-            </a:extLst>
-          </p:cNvPr>
-          <p:cNvSpPr>
-            <a:spLocks noGrp="1"/>
-          </p:cNvSpPr>
-          <p:nvPr>
-            <p:ph type="body" idx="1"/>
-          </p:nvPr>
-        </p:nvSpPr>
-        <p:spPr>
-          <a:xfrm>
-            <a:off x="731520" y="735894"/>
-            <a:ext cx="6382512" cy="1317597"/>
-          </a:xfrm>
-        </p:spPr>
-        <p:txBody>
-          <a:bodyPr/>
-          <a:lstStyle/>
-          <a:p>
-            <a:pPr algn="l"/>
-            <a:r>
-              <a:rPr lang="en-US" sz="3200" dirty="0">
-                <a:solidFill>
-                  <a:srgbClr val="DE4F45"/>
-                </a:solidFill>
-                <a:latin typeface="Söhne"/>
-              </a:rPr>
-              <a:t>3</a:t>
-            </a:r>
-            <a:r>
-              <a:rPr lang="en-US" sz="3200" b="1" i="0" dirty="0">
-                <a:solidFill>
-                  <a:srgbClr val="DE4F45"/>
-                </a:solidFill>
-                <a:effectLst/>
-                <a:latin typeface="Söhne"/>
-              </a:rPr>
-              <a:t>. Break </a:t>
-            </a:r>
-            <a:r>
-              <a:rPr lang="en-US" sz="3200" dirty="0" err="1">
-                <a:solidFill>
-                  <a:srgbClr val="DE4F45"/>
-                </a:solidFill>
-                <a:latin typeface="Söhne"/>
-              </a:rPr>
-              <a:t>d</a:t>
-            </a:r>
-            <a:r>
-              <a:rPr lang="en-US" sz="3200" b="1" i="0" dirty="0" err="1">
-                <a:solidFill>
-                  <a:srgbClr val="DE4F45"/>
-                </a:solidFill>
-                <a:effectLst/>
-                <a:latin typeface="Söhne"/>
-              </a:rPr>
-              <a:t>ownComponents</a:t>
-            </a:r>
-            <a:endParaRPr lang="en-US" sz="3200" b="1" i="0" dirty="0">
-              <a:solidFill>
-                <a:srgbClr val="DE4F45"/>
-              </a:solidFill>
-              <a:effectLst/>
-              <a:latin typeface="Söhne"/>
-            </a:endParaRPr>
-          </a:p>
-          <a:p>
-            <a:br>
-              <a:rPr lang="en-US" sz="3200" dirty="0">
-                <a:solidFill>
-                  <a:srgbClr val="DE4F45"/>
-                </a:solidFill>
-              </a:rPr>
-            </a:br>
-            <a:endParaRPr lang="en-US" sz="3200" dirty="0">
-              <a:solidFill>
-                <a:srgbClr val="DE4F45"/>
-              </a:solidFill>
-            </a:endParaRPr>
-          </a:p>
-        </p:txBody>
-      </p:sp>
-      <p:sp>
-        <p:nvSpPr>
-          <p:cNvPr id="2" name="TextBox 1">
-            <a:extLst>
-              <a:ext uri="{FF2B5EF4-FFF2-40B4-BE49-F238E27FC236}">
-                <a16:creationId xmlns:a16="http://schemas.microsoft.com/office/drawing/2014/main" id="{B944F476-5FF0-00AE-8DF4-BF2BA447EBC8}"/>
+                <a16:creationId xmlns:a16="http://schemas.microsoft.com/office/drawing/2014/main" id="{D2F78D26-1872-678C-E678-E2E6C64779DB}"/>
               </a:ext>
             </a:extLst>
           </p:cNvPr>
@@ -11398,8 +11111,8 @@
         </p:nvSpPr>
         <p:spPr>
           <a:xfrm>
-            <a:off x="1444752" y="1596170"/>
-            <a:ext cx="1591056" cy="307777"/>
+            <a:off x="822960" y="906539"/>
+            <a:ext cx="7289175" cy="646331"/>
           </a:xfrm>
           <a:prstGeom prst="rect">
             <a:avLst/>
@@ -11407,81 +11120,28 @@
           <a:noFill/>
         </p:spPr>
         <p:txBody>
-          <a:bodyPr wrap="square" rtlCol="0">
+          <a:bodyPr wrap="none" rtlCol="0">
             <a:spAutoFit/>
           </a:bodyPr>
           <a:lstStyle/>
           <a:p>
-            <a:pPr marL="285750" indent="-285750">
-              <a:buFont typeface="Arial" panose="020B0604020202020204" pitchFamily="34" charset="0"/>
-              <a:buChar char="•"/>
-            </a:pPr>
             <a:r>
-              <a:rPr lang="en-US" b="1" dirty="0"/>
-              <a:t>Add task : </a:t>
+              <a:rPr lang="en-US" sz="3600" b="1" dirty="0">
+                <a:solidFill>
+                  <a:srgbClr val="DE4F45"/>
+                </a:solidFill>
+              </a:rPr>
+              <a:t>Step 3 : Development sub goals </a:t>
             </a:r>
-          </a:p>
-        </p:txBody>
-      </p:sp>
-      <p:sp>
-        <p:nvSpPr>
-          <p:cNvPr id="6" name="TextBox 5">
-            <a:extLst>
-              <a:ext uri="{FF2B5EF4-FFF2-40B4-BE49-F238E27FC236}">
-                <a16:creationId xmlns:a16="http://schemas.microsoft.com/office/drawing/2014/main" id="{E67E220A-48BA-4453-9C5A-202AF6878102}"/>
-              </a:ext>
-            </a:extLst>
-          </p:cNvPr>
-          <p:cNvSpPr txBox="1"/>
-          <p:nvPr/>
-        </p:nvSpPr>
-        <p:spPr>
-          <a:xfrm>
-            <a:off x="1292351" y="3779455"/>
-            <a:ext cx="2478024" cy="738664"/>
-          </a:xfrm>
-          <a:prstGeom prst="rect">
-            <a:avLst/>
-          </a:prstGeom>
-          <a:noFill/>
-        </p:spPr>
-        <p:txBody>
-          <a:bodyPr wrap="square" rtlCol="0">
-            <a:spAutoFit/>
-          </a:bodyPr>
-          <a:lstStyle/>
-          <a:p>
-            <a:pPr marL="285750" indent="-285750">
-              <a:buFont typeface="Arial" panose="020B0604020202020204" pitchFamily="34" charset="0"/>
-              <a:buChar char="•"/>
-            </a:pPr>
-            <a:r>
-              <a:rPr lang="en-US" b="1" dirty="0"/>
-              <a:t>Delete task : </a:t>
-            </a:r>
-          </a:p>
-          <a:p>
-            <a:pPr marL="285750" indent="-285750">
-              <a:buFont typeface="Arial" panose="020B0604020202020204" pitchFamily="34" charset="0"/>
-              <a:buChar char="•"/>
-            </a:pPr>
-            <a:endParaRPr lang="en-US" b="1" dirty="0"/>
-          </a:p>
-          <a:p>
-            <a:pPr marL="285750" indent="-285750">
-              <a:buFont typeface="Arial" panose="020B0604020202020204" pitchFamily="34" charset="0"/>
-              <a:buChar char="•"/>
-            </a:pPr>
-            <a:endParaRPr lang="en-US" b="1" dirty="0"/>
           </a:p>
         </p:txBody>
       </p:sp>
       <p:pic>
         <p:nvPicPr>
-          <p:cNvPr id="7" name="Picture 6">
+          <p:cNvPr id="4" name="Picture 3">
             <a:extLst>
               <a:ext uri="{FF2B5EF4-FFF2-40B4-BE49-F238E27FC236}">
-                <a16:creationId xmlns:a16="http://schemas.microsoft.com/office/drawing/2014/main" id="{33B6DD3D-A849-6185-A44A-A8903451458E}"/>
+                <a16:creationId xmlns:a16="http://schemas.microsoft.com/office/drawing/2014/main" id="{F13C421B-FCDE-65FE-873C-897C34E25BFC}"/>
               </a:ext>
             </a:extLst>
           </p:cNvPr>
@@ -11498,107 +11158,8 @@
         </p:blipFill>
         <p:spPr>
           <a:xfrm>
-            <a:off x="1444751" y="2009085"/>
-            <a:ext cx="4651249" cy="1455344"/>
-          </a:xfrm>
-          <a:prstGeom prst="rect">
-            <a:avLst/>
-          </a:prstGeom>
-        </p:spPr>
-      </p:pic>
-      <p:pic>
-        <p:nvPicPr>
-          <p:cNvPr id="10" name="Picture 9">
-            <a:extLst>
-              <a:ext uri="{FF2B5EF4-FFF2-40B4-BE49-F238E27FC236}">
-                <a16:creationId xmlns:a16="http://schemas.microsoft.com/office/drawing/2014/main" id="{2A45A719-89B3-5BD6-1C73-FB8E6DFFDBCB}"/>
-              </a:ext>
-            </a:extLst>
-          </p:cNvPr>
-          <p:cNvPicPr>
-            <a:picLocks noChangeAspect="1"/>
-          </p:cNvPicPr>
-          <p:nvPr/>
-        </p:nvPicPr>
-        <p:blipFill>
-          <a:blip r:embed="rId3"/>
-          <a:stretch>
-            <a:fillRect/>
-          </a:stretch>
-        </p:blipFill>
-        <p:spPr>
-          <a:xfrm>
-            <a:off x="1292351" y="4148787"/>
-            <a:ext cx="4925569" cy="1586601"/>
-          </a:xfrm>
-          <a:prstGeom prst="rect">
-            <a:avLst/>
-          </a:prstGeom>
-        </p:spPr>
-      </p:pic>
-      <p:sp>
-        <p:nvSpPr>
-          <p:cNvPr id="11" name="TextBox 10">
-            <a:extLst>
-              <a:ext uri="{FF2B5EF4-FFF2-40B4-BE49-F238E27FC236}">
-                <a16:creationId xmlns:a16="http://schemas.microsoft.com/office/drawing/2014/main" id="{6B513869-935F-4E07-5F34-FE47951169C1}"/>
-              </a:ext>
-            </a:extLst>
-          </p:cNvPr>
-          <p:cNvSpPr txBox="1"/>
-          <p:nvPr/>
-        </p:nvSpPr>
-        <p:spPr>
-          <a:xfrm>
-            <a:off x="7031736" y="1596169"/>
-            <a:ext cx="1591056" cy="307777"/>
-          </a:xfrm>
-          <a:prstGeom prst="rect">
-            <a:avLst/>
-          </a:prstGeom>
-          <a:noFill/>
-        </p:spPr>
-        <p:txBody>
-          <a:bodyPr wrap="square" rtlCol="0">
-            <a:spAutoFit/>
-          </a:bodyPr>
-          <a:lstStyle/>
-          <a:p>
-            <a:pPr marL="285750" indent="-285750">
-              <a:buFont typeface="Arial" panose="020B0604020202020204" pitchFamily="34" charset="0"/>
-              <a:buChar char="•"/>
-            </a:pPr>
-            <a:r>
-              <a:rPr lang="en-US" b="1" dirty="0"/>
-              <a:t>View task : </a:t>
-            </a:r>
-          </a:p>
-        </p:txBody>
-      </p:sp>
-      <p:pic>
-        <p:nvPicPr>
-          <p:cNvPr id="13" name="Picture 12">
-            <a:extLst>
-              <a:ext uri="{FF2B5EF4-FFF2-40B4-BE49-F238E27FC236}">
-                <a16:creationId xmlns:a16="http://schemas.microsoft.com/office/drawing/2014/main" id="{14377731-7B88-1E5C-2B3D-D6B98C6070BE}"/>
-              </a:ext>
-            </a:extLst>
-          </p:cNvPr>
-          <p:cNvPicPr>
-            <a:picLocks noChangeAspect="1"/>
-          </p:cNvPicPr>
-          <p:nvPr/>
-        </p:nvPicPr>
-        <p:blipFill>
-          <a:blip r:embed="rId4"/>
-          <a:stretch>
-            <a:fillRect/>
-          </a:stretch>
-        </p:blipFill>
-        <p:spPr>
-          <a:xfrm>
-            <a:off x="7114032" y="2053491"/>
-            <a:ext cx="4396778" cy="1829055"/>
+            <a:off x="722376" y="1745099"/>
+            <a:ext cx="10744200" cy="4355353"/>
           </a:xfrm>
           <a:prstGeom prst="rect">
             <a:avLst/>
@@ -11608,7 +11169,7 @@
     </p:spTree>
     <p:extLst>
       <p:ext uri="{BB962C8B-B14F-4D97-AF65-F5344CB8AC3E}">
-        <p14:creationId xmlns:p14="http://schemas.microsoft.com/office/powerpoint/2010/main" val="1877358995"/>
+        <p14:creationId xmlns:p14="http://schemas.microsoft.com/office/powerpoint/2010/main" val="893566316"/>
       </p:ext>
     </p:extLst>
   </p:cSld>
@@ -11669,7 +11230,25 @@
                 </a:solidFill>
                 <a:latin typeface="Söhne"/>
               </a:rPr>
-              <a:t>4. Implement Method</a:t>
+              <a:t>Useful tools for </a:t>
+            </a:r>
+            <a:r>
+              <a:rPr lang="en-US" sz="3200" dirty="0" err="1">
+                <a:solidFill>
+                  <a:srgbClr val="DE4F45"/>
+                </a:solidFill>
+                <a:latin typeface="Söhne"/>
+              </a:rPr>
+              <a:t>Topdown</a:t>
+            </a:r>
+            <a:r>
+              <a:rPr lang="en-US" sz="3200" dirty="0">
+                <a:solidFill>
+                  <a:srgbClr val="DE4F45"/>
+                </a:solidFill>
+                <a:latin typeface="Söhne"/>
+              </a:rPr>
+              <a:t> approach</a:t>
             </a:r>
             <a:endParaRPr lang="en-US" sz="3200" b="1" i="0" dirty="0">
               <a:solidFill>
@@ -11697,146 +11276,102 @@
       </p:sp>
       <p:pic>
         <p:nvPicPr>
-          <p:cNvPr id="7" name="Picture 6">
+          <p:cNvPr id="2" name="Picture 4" descr="XMind">
             <a:extLst>
               <a:ext uri="{FF2B5EF4-FFF2-40B4-BE49-F238E27FC236}">
-                <a16:creationId xmlns:a16="http://schemas.microsoft.com/office/drawing/2014/main" id="{C4AB38D0-1EEE-5465-3A45-07556CCF0F36}"/>
+                <a16:creationId xmlns:a16="http://schemas.microsoft.com/office/drawing/2014/main" id="{54AFB108-1D92-3739-06F4-DE7549AE06CE}"/>
               </a:ext>
             </a:extLst>
           </p:cNvPr>
           <p:cNvPicPr>
-            <a:picLocks noChangeAspect="1"/>
+            <a:picLocks noChangeAspect="1" noChangeArrowheads="1"/>
           </p:cNvPicPr>
           <p:nvPr/>
         </p:nvPicPr>
         <p:blipFill>
-          <a:blip r:embed="rId2"/>
+          <a:blip r:embed="rId2">
+            <a:extLst>
+              <a:ext uri="{28A0092B-C50C-407E-A947-70E740481C1C}">
+                <a14:useLocalDpi xmlns:a14="http://schemas.microsoft.com/office/drawing/2010/main" val="0"/>
+              </a:ext>
+            </a:extLst>
+          </a:blip>
+          <a:srcRect/>
           <a:stretch>
             <a:fillRect/>
           </a:stretch>
         </p:blipFill>
-        <p:spPr>
+        <p:spPr bwMode="auto">
           <a:xfrm>
-            <a:off x="731520" y="2337745"/>
-            <a:ext cx="4844350" cy="3555761"/>
-          </a:xfrm>
-          <a:prstGeom prst="rect">
-            <a:avLst/>
-          </a:prstGeom>
-        </p:spPr>
-      </p:pic>
-      <p:sp>
-        <p:nvSpPr>
-          <p:cNvPr id="9" name="TextBox 8">
-            <a:extLst>
-              <a:ext uri="{FF2B5EF4-FFF2-40B4-BE49-F238E27FC236}">
-                <a16:creationId xmlns:a16="http://schemas.microsoft.com/office/drawing/2014/main" id="{D917B35D-4FAC-A8B7-1051-ECD1B9DAFA4F}"/>
-              </a:ext>
-            </a:extLst>
-          </p:cNvPr>
-          <p:cNvSpPr txBox="1"/>
-          <p:nvPr/>
-        </p:nvSpPr>
-        <p:spPr>
-          <a:xfrm>
-            <a:off x="1289304" y="1840668"/>
-            <a:ext cx="1734770" cy="307777"/>
+            <a:off x="1354257" y="1394692"/>
+            <a:ext cx="3789009" cy="3789009"/>
           </a:xfrm>
           <a:prstGeom prst="rect">
             <a:avLst/>
           </a:prstGeom>
           <a:noFill/>
+          <a:extLst>
+            <a:ext uri="{909E8E84-426E-40DD-AFC4-6F175D3DCCD1}">
+              <a14:hiddenFill xmlns:a14="http://schemas.microsoft.com/office/drawing/2010/main">
+                <a:solidFill>
+                  <a:srgbClr val="FFFFFF"/>
+                </a:solidFill>
+              </a14:hiddenFill>
+            </a:ext>
+          </a:extLst>
         </p:spPr>
-        <p:txBody>
-          <a:bodyPr wrap="none" rtlCol="0">
-            <a:spAutoFit/>
-          </a:bodyPr>
-          <a:lstStyle/>
-          <a:p>
-            <a:pPr marL="285750" indent="-285750">
-              <a:buFont typeface="Arial" panose="020B0604020202020204" pitchFamily="34" charset="0"/>
-              <a:buChar char="•"/>
-            </a:pPr>
-            <a:r>
-              <a:rPr lang="en-US" b="1" dirty="0"/>
-              <a:t>Main method : </a:t>
-            </a:r>
-          </a:p>
-        </p:txBody>
-      </p:sp>
-      <p:sp>
-        <p:nvSpPr>
-          <p:cNvPr id="10" name="TextBox 9">
+      </p:pic>
+      <p:pic>
+        <p:nvPicPr>
+          <p:cNvPr id="4" name="Picture 6" descr="MindMeister – Mbomediawijs">
             <a:extLst>
               <a:ext uri="{FF2B5EF4-FFF2-40B4-BE49-F238E27FC236}">
-                <a16:creationId xmlns:a16="http://schemas.microsoft.com/office/drawing/2014/main" id="{8342DFCA-97DD-2BBD-1EBA-B7D478D0FF46}"/>
+                <a16:creationId xmlns:a16="http://schemas.microsoft.com/office/drawing/2014/main" id="{D829FE9A-EE0B-70B4-7CBA-793F54CE0137}"/>
               </a:ext>
             </a:extLst>
           </p:cNvPr>
-          <p:cNvSpPr txBox="1"/>
+          <p:cNvPicPr>
+            <a:picLocks noChangeAspect="1" noChangeArrowheads="1"/>
+          </p:cNvPicPr>
           <p:nvPr/>
-        </p:nvSpPr>
-        <p:spPr>
+        </p:nvPicPr>
+        <p:blipFill>
+          <a:blip r:embed="rId3">
+            <a:extLst>
+              <a:ext uri="{28A0092B-C50C-407E-A947-70E740481C1C}">
+                <a14:useLocalDpi xmlns:a14="http://schemas.microsoft.com/office/drawing/2010/main" val="0"/>
+              </a:ext>
+            </a:extLst>
+          </a:blip>
+          <a:srcRect/>
+          <a:stretch>
+            <a:fillRect/>
+          </a:stretch>
+        </p:blipFill>
+        <p:spPr bwMode="auto">
           <a:xfrm>
-            <a:off x="7836408" y="1840667"/>
-            <a:ext cx="1636987" cy="307777"/>
+            <a:off x="8321023" y="2033491"/>
+            <a:ext cx="2516720" cy="2511410"/>
           </a:xfrm>
           <a:prstGeom prst="rect">
             <a:avLst/>
           </a:prstGeom>
           <a:noFill/>
-        </p:spPr>
-        <p:txBody>
-          <a:bodyPr wrap="none" rtlCol="0">
-            <a:spAutoFit/>
-          </a:bodyPr>
-          <a:lstStyle/>
-          <a:p>
-            <a:pPr marL="285750" indent="-285750">
-              <a:buFont typeface="Arial" panose="020B0604020202020204" pitchFamily="34" charset="0"/>
-              <a:buChar char="•"/>
-            </a:pPr>
-            <a:r>
-              <a:rPr lang="en-US" b="1" dirty="0"/>
-              <a:t>Show menu : </a:t>
-            </a:r>
-          </a:p>
-        </p:txBody>
-      </p:sp>
-      <p:pic>
-        <p:nvPicPr>
-          <p:cNvPr id="13" name="Picture 12">
-            <a:extLst>
-              <a:ext uri="{FF2B5EF4-FFF2-40B4-BE49-F238E27FC236}">
-                <a16:creationId xmlns:a16="http://schemas.microsoft.com/office/drawing/2014/main" id="{2C19F291-FDE8-67AF-F314-F97A481F6290}"/>
-              </a:ext>
-            </a:extLst>
-          </p:cNvPr>
-          <p:cNvPicPr>
-            <a:picLocks noChangeAspect="1"/>
-          </p:cNvPicPr>
-          <p:nvPr/>
-        </p:nvPicPr>
-        <p:blipFill>
-          <a:blip r:embed="rId3"/>
-          <a:stretch>
-            <a:fillRect/>
-          </a:stretch>
-        </p:blipFill>
-        <p:spPr>
-          <a:xfrm>
-            <a:off x="6775704" y="2453333"/>
-            <a:ext cx="4684776" cy="3324584"/>
-          </a:xfrm>
-          <a:prstGeom prst="rect">
-            <a:avLst/>
-          </a:prstGeom>
+          <a:extLst>
+            <a:ext uri="{909E8E84-426E-40DD-AFC4-6F175D3DCCD1}">
+              <a14:hiddenFill xmlns:a14="http://schemas.microsoft.com/office/drawing/2010/main">
+                <a:solidFill>
+                  <a:srgbClr val="FFFFFF"/>
+                </a:solidFill>
+              </a14:hiddenFill>
+            </a:ext>
+          </a:extLst>
         </p:spPr>
       </p:pic>
     </p:spTree>
     <p:extLst>
       <p:ext uri="{BB962C8B-B14F-4D97-AF65-F5344CB8AC3E}">
-        <p14:creationId xmlns:p14="http://schemas.microsoft.com/office/powerpoint/2010/main" val="1863349867"/>
+        <p14:creationId xmlns:p14="http://schemas.microsoft.com/office/powerpoint/2010/main" val="980341950"/>
       </p:ext>
     </p:extLst>
   </p:cSld>
@@ -11897,208 +11432,6 @@
                 </a:solidFill>
                 <a:latin typeface="Söhne"/>
               </a:rPr>
-              <a:t>Useful tools for </a:t>
-            </a:r>
-            <a:r>
-              <a:rPr lang="en-US" sz="3200" dirty="0" err="1">
-                <a:solidFill>
-                  <a:srgbClr val="DE4F45"/>
-                </a:solidFill>
-                <a:latin typeface="Söhne"/>
-              </a:rPr>
-              <a:t>Topdown</a:t>
-            </a:r>
-            <a:r>
-              <a:rPr lang="en-US" sz="3200" dirty="0">
-                <a:solidFill>
-                  <a:srgbClr val="DE4F45"/>
-                </a:solidFill>
-                <a:latin typeface="Söhne"/>
-              </a:rPr>
-              <a:t> approach</a:t>
-            </a:r>
-            <a:endParaRPr lang="en-US" sz="3200" b="1" i="0" dirty="0">
-              <a:solidFill>
-                <a:srgbClr val="DE4F45"/>
-              </a:solidFill>
-              <a:effectLst/>
-              <a:latin typeface="Söhne"/>
-            </a:endParaRPr>
-          </a:p>
-          <a:p>
-            <a:br>
-              <a:rPr lang="en-US" sz="3200" dirty="0">
-                <a:solidFill>
-                  <a:srgbClr val="DE4F45"/>
-                </a:solidFill>
-              </a:rPr>
-            </a:br>
-            <a:endParaRPr lang="en-US" sz="3200" dirty="0">
-              <a:solidFill>
-                <a:srgbClr val="DE4F45"/>
-              </a:solidFill>
-            </a:endParaRPr>
-          </a:p>
-        </p:txBody>
-      </p:sp>
-      <p:pic>
-        <p:nvPicPr>
-          <p:cNvPr id="2" name="Picture 4" descr="XMind">
-            <a:extLst>
-              <a:ext uri="{FF2B5EF4-FFF2-40B4-BE49-F238E27FC236}">
-                <a16:creationId xmlns:a16="http://schemas.microsoft.com/office/drawing/2014/main" id="{54AFB108-1D92-3739-06F4-DE7549AE06CE}"/>
-              </a:ext>
-            </a:extLst>
-          </p:cNvPr>
-          <p:cNvPicPr>
-            <a:picLocks noChangeAspect="1" noChangeArrowheads="1"/>
-          </p:cNvPicPr>
-          <p:nvPr/>
-        </p:nvPicPr>
-        <p:blipFill>
-          <a:blip r:embed="rId2">
-            <a:extLst>
-              <a:ext uri="{28A0092B-C50C-407E-A947-70E740481C1C}">
-                <a14:useLocalDpi xmlns:a14="http://schemas.microsoft.com/office/drawing/2010/main" val="0"/>
-              </a:ext>
-            </a:extLst>
-          </a:blip>
-          <a:srcRect/>
-          <a:stretch>
-            <a:fillRect/>
-          </a:stretch>
-        </p:blipFill>
-        <p:spPr bwMode="auto">
-          <a:xfrm>
-            <a:off x="1354257" y="1394692"/>
-            <a:ext cx="3789009" cy="3789009"/>
-          </a:xfrm>
-          <a:prstGeom prst="rect">
-            <a:avLst/>
-          </a:prstGeom>
-          <a:noFill/>
-          <a:extLst>
-            <a:ext uri="{909E8E84-426E-40DD-AFC4-6F175D3DCCD1}">
-              <a14:hiddenFill xmlns:a14="http://schemas.microsoft.com/office/drawing/2010/main">
-                <a:solidFill>
-                  <a:srgbClr val="FFFFFF"/>
-                </a:solidFill>
-              </a14:hiddenFill>
-            </a:ext>
-          </a:extLst>
-        </p:spPr>
-      </p:pic>
-      <p:pic>
-        <p:nvPicPr>
-          <p:cNvPr id="4" name="Picture 6" descr="MindMeister – Mbomediawijs">
-            <a:extLst>
-              <a:ext uri="{FF2B5EF4-FFF2-40B4-BE49-F238E27FC236}">
-                <a16:creationId xmlns:a16="http://schemas.microsoft.com/office/drawing/2014/main" id="{D829FE9A-EE0B-70B4-7CBA-793F54CE0137}"/>
-              </a:ext>
-            </a:extLst>
-          </p:cNvPr>
-          <p:cNvPicPr>
-            <a:picLocks noChangeAspect="1" noChangeArrowheads="1"/>
-          </p:cNvPicPr>
-          <p:nvPr/>
-        </p:nvPicPr>
-        <p:blipFill>
-          <a:blip r:embed="rId3">
-            <a:extLst>
-              <a:ext uri="{28A0092B-C50C-407E-A947-70E740481C1C}">
-                <a14:useLocalDpi xmlns:a14="http://schemas.microsoft.com/office/drawing/2010/main" val="0"/>
-              </a:ext>
-            </a:extLst>
-          </a:blip>
-          <a:srcRect/>
-          <a:stretch>
-            <a:fillRect/>
-          </a:stretch>
-        </p:blipFill>
-        <p:spPr bwMode="auto">
-          <a:xfrm>
-            <a:off x="8321023" y="2033491"/>
-            <a:ext cx="2516720" cy="2511410"/>
-          </a:xfrm>
-          <a:prstGeom prst="rect">
-            <a:avLst/>
-          </a:prstGeom>
-          <a:noFill/>
-          <a:extLst>
-            <a:ext uri="{909E8E84-426E-40DD-AFC4-6F175D3DCCD1}">
-              <a14:hiddenFill xmlns:a14="http://schemas.microsoft.com/office/drawing/2010/main">
-                <a:solidFill>
-                  <a:srgbClr val="FFFFFF"/>
-                </a:solidFill>
-              </a14:hiddenFill>
-            </a:ext>
-          </a:extLst>
-        </p:spPr>
-      </p:pic>
-    </p:spTree>
-    <p:extLst>
-      <p:ext uri="{BB962C8B-B14F-4D97-AF65-F5344CB8AC3E}">
-        <p14:creationId xmlns:p14="http://schemas.microsoft.com/office/powerpoint/2010/main" val="980341950"/>
-      </p:ext>
-    </p:extLst>
-  </p:cSld>
-  <p:clrMapOvr>
-    <a:masterClrMapping/>
-  </p:clrMapOvr>
-</p:sld>
-</file>
-
-<file path=ppt/slides/slide18.xml><?xml version="1.0" encoding="utf-8"?>
-<p:sld xmlns:a="http://schemas.openxmlformats.org/drawingml/2006/main" xmlns:r="http://schemas.openxmlformats.org/officeDocument/2006/relationships" xmlns:p="http://schemas.openxmlformats.org/presentationml/2006/main">
-  <p:cSld>
-    <p:spTree>
-      <p:nvGrpSpPr>
-        <p:cNvPr id="1" name=""/>
-        <p:cNvGrpSpPr/>
-        <p:nvPr/>
-      </p:nvGrpSpPr>
-      <p:grpSpPr>
-        <a:xfrm>
-          <a:off x="0" y="0"/>
-          <a:ext cx="0" cy="0"/>
-          <a:chOff x="0" y="0"/>
-          <a:chExt cx="0" cy="0"/>
-        </a:xfrm>
-      </p:grpSpPr>
-      <p:sp>
-        <p:nvSpPr>
-          <p:cNvPr id="3" name="Text Placeholder 2">
-            <a:extLst>
-              <a:ext uri="{FF2B5EF4-FFF2-40B4-BE49-F238E27FC236}">
-                <a16:creationId xmlns:a16="http://schemas.microsoft.com/office/drawing/2014/main" id="{68E007D7-A029-E647-B612-3C6105B6BB05}"/>
-              </a:ext>
-            </a:extLst>
-          </p:cNvPr>
-          <p:cNvSpPr>
-            <a:spLocks noGrp="1"/>
-          </p:cNvSpPr>
-          <p:nvPr>
-            <p:ph type="body" idx="1"/>
-          </p:nvPr>
-        </p:nvSpPr>
-        <p:spPr>
-          <a:xfrm>
-            <a:off x="731520" y="735894"/>
-            <a:ext cx="6382512" cy="1317597"/>
-          </a:xfrm>
-        </p:spPr>
-        <p:txBody>
-          <a:bodyPr/>
-          <a:lstStyle/>
-          <a:p>
-            <a:pPr algn="l"/>
-            <a:r>
-              <a:rPr lang="en-US" sz="3200" dirty="0">
-                <a:solidFill>
-                  <a:srgbClr val="DE4F45"/>
-                </a:solidFill>
-                <a:latin typeface="Söhne"/>
-              </a:rPr>
               <a:t>Summary by </a:t>
             </a:r>
             <a:r>
@@ -12177,7 +11510,7 @@
 </p:sld>
 </file>
 
-<file path=ppt/slides/slide19.xml><?xml version="1.0" encoding="utf-8"?>
+<file path=ppt/slides/slide18.xml><?xml version="1.0" encoding="utf-8"?>
 <p:sld xmlns:a="http://schemas.openxmlformats.org/drawingml/2006/main" xmlns:r="http://schemas.openxmlformats.org/officeDocument/2006/relationships" xmlns:p="http://schemas.openxmlformats.org/presentationml/2006/main">
   <p:cSld>
     <p:spTree>
@@ -14801,7 +14134,7 @@
         </p:blipFill>
         <p:spPr bwMode="auto">
           <a:xfrm>
-            <a:off x="5961888" y="2249424"/>
+            <a:off x="5956406" y="2245452"/>
             <a:ext cx="4553712" cy="2532887"/>
           </a:xfrm>
           <a:prstGeom prst="rect">
